--- a/Presentacion/doc/AnalisisGarciaGallardoOrion.pptx
+++ b/Presentacion/doc/AnalisisGarciaGallardoOrion.pptx
@@ -13,14 +13,15 @@
     <p:sldId id="260" r:id="rId7"/>
     <p:sldId id="262" r:id="rId8"/>
     <p:sldId id="266" r:id="rId9"/>
-    <p:sldId id="263" r:id="rId10"/>
-    <p:sldId id="267" r:id="rId11"/>
-    <p:sldId id="257" r:id="rId12"/>
-    <p:sldId id="261" r:id="rId13"/>
-    <p:sldId id="270" r:id="rId14"/>
-    <p:sldId id="269" r:id="rId15"/>
-    <p:sldId id="271" r:id="rId16"/>
-    <p:sldId id="272" r:id="rId17"/>
+    <p:sldId id="273" r:id="rId10"/>
+    <p:sldId id="263" r:id="rId11"/>
+    <p:sldId id="267" r:id="rId12"/>
+    <p:sldId id="257" r:id="rId13"/>
+    <p:sldId id="261" r:id="rId14"/>
+    <p:sldId id="270" r:id="rId15"/>
+    <p:sldId id="269" r:id="rId16"/>
+    <p:sldId id="271" r:id="rId17"/>
+    <p:sldId id="272" r:id="rId18"/>
   </p:sldIdLst>
   <p:sldSz cx="9144000" cy="6858000" type="screen4x3"/>
   <p:notesSz cx="6858000" cy="9144000"/>
@@ -256,7 +257,7 @@
           <a:p>
             <a:fld id="{CF6E885D-2F42-46F6-946F-0B526C83A492}" type="datetimeFigureOut">
               <a:rPr lang="es-ES" smtClean="0"/>
-              <a:t>17/05/2013</a:t>
+              <a:t>19/05/2013</a:t>
             </a:fld>
             <a:endParaRPr lang="es-ES" dirty="0"/>
           </a:p>
@@ -569,7 +570,7 @@
           <a:p>
             <a:fld id="{CF6E885D-2F42-46F6-946F-0B526C83A492}" type="datetimeFigureOut">
               <a:rPr lang="es-ES" smtClean="0"/>
-              <a:t>17/05/2013</a:t>
+              <a:t>19/05/2013</a:t>
             </a:fld>
             <a:endParaRPr lang="es-ES" dirty="0"/>
           </a:p>
@@ -754,7 +755,7 @@
           <a:p>
             <a:fld id="{CF6E885D-2F42-46F6-946F-0B526C83A492}" type="datetimeFigureOut">
               <a:rPr lang="es-ES" smtClean="0"/>
-              <a:t>17/05/2013</a:t>
+              <a:t>19/05/2013</a:t>
             </a:fld>
             <a:endParaRPr lang="es-ES" dirty="0"/>
           </a:p>
@@ -929,7 +930,7 @@
           <a:p>
             <a:fld id="{CF6E885D-2F42-46F6-946F-0B526C83A492}" type="datetimeFigureOut">
               <a:rPr lang="es-ES" smtClean="0"/>
-              <a:t>17/05/2013</a:t>
+              <a:t>19/05/2013</a:t>
             </a:fld>
             <a:endParaRPr lang="es-ES" dirty="0"/>
           </a:p>
@@ -1197,7 +1198,7 @@
           <a:p>
             <a:fld id="{CF6E885D-2F42-46F6-946F-0B526C83A492}" type="datetimeFigureOut">
               <a:rPr lang="es-ES" smtClean="0"/>
-              <a:t>17/05/2013</a:t>
+              <a:t>19/05/2013</a:t>
             </a:fld>
             <a:endParaRPr lang="es-ES" dirty="0"/>
           </a:p>
@@ -1665,7 +1666,7 @@
           <a:p>
             <a:fld id="{CF6E885D-2F42-46F6-946F-0B526C83A492}" type="datetimeFigureOut">
               <a:rPr lang="es-ES" smtClean="0"/>
-              <a:t>17/05/2013</a:t>
+              <a:t>19/05/2013</a:t>
             </a:fld>
             <a:endParaRPr lang="es-ES" dirty="0"/>
           </a:p>
@@ -2154,7 +2155,7 @@
           <a:p>
             <a:fld id="{CF6E885D-2F42-46F6-946F-0B526C83A492}" type="datetimeFigureOut">
               <a:rPr lang="es-ES" smtClean="0"/>
-              <a:t>17/05/2013</a:t>
+              <a:t>19/05/2013</a:t>
             </a:fld>
             <a:endParaRPr lang="es-ES" dirty="0"/>
           </a:p>
@@ -2280,7 +2281,7 @@
           <a:p>
             <a:fld id="{CF6E885D-2F42-46F6-946F-0B526C83A492}" type="datetimeFigureOut">
               <a:rPr lang="es-ES" smtClean="0"/>
-              <a:t>17/05/2013</a:t>
+              <a:t>19/05/2013</a:t>
             </a:fld>
             <a:endParaRPr lang="es-ES" dirty="0"/>
           </a:p>
@@ -2424,7 +2425,7 @@
           <a:p>
             <a:fld id="{CF6E885D-2F42-46F6-946F-0B526C83A492}" type="datetimeFigureOut">
               <a:rPr lang="es-ES" smtClean="0"/>
-              <a:t>17/05/2013</a:t>
+              <a:t>19/05/2013</a:t>
             </a:fld>
             <a:endParaRPr lang="es-ES" dirty="0"/>
           </a:p>
@@ -2746,7 +2747,7 @@
           <a:p>
             <a:fld id="{CF6E885D-2F42-46F6-946F-0B526C83A492}" type="datetimeFigureOut">
               <a:rPr lang="es-ES" smtClean="0"/>
-              <a:t>17/05/2013</a:t>
+              <a:t>19/05/2013</a:t>
             </a:fld>
             <a:endParaRPr lang="es-ES" dirty="0"/>
           </a:p>
@@ -2880,7 +2881,7 @@
           <a:p>
             <a:fld id="{CF6E885D-2F42-46F6-946F-0B526C83A492}" type="datetimeFigureOut">
               <a:rPr lang="es-ES" smtClean="0"/>
-              <a:t>17/05/2013</a:t>
+              <a:t>19/05/2013</a:t>
             </a:fld>
             <a:endParaRPr lang="es-ES" dirty="0"/>
           </a:p>
@@ -3661,7 +3662,7 @@
           <a:p>
             <a:fld id="{CF6E885D-2F42-46F6-946F-0B526C83A492}" type="datetimeFigureOut">
               <a:rPr lang="es-ES" smtClean="0"/>
-              <a:t>17/05/2013</a:t>
+              <a:t>19/05/2013</a:t>
             </a:fld>
             <a:endParaRPr lang="es-ES" dirty="0"/>
           </a:p>
@@ -4300,26 +4301,10 @@
           <a:lstStyle/>
           <a:p>
             <a:r>
-              <a:rPr lang="es-ES" dirty="0" err="1" smtClean="0"/>
-              <a:t>Camshift</a:t>
-            </a:r>
-            <a:r>
-              <a:rPr lang="es-ES" dirty="0" smtClean="0"/>
-              <a:t> </a:t>
-            </a:r>
-            <a:r>
-              <a:rPr lang="es-ES" dirty="0" err="1" smtClean="0"/>
-              <a:t>Eyes</a:t>
-            </a:r>
-            <a:r>
-              <a:rPr lang="es-ES" dirty="0" smtClean="0"/>
-              <a:t> </a:t>
-            </a:r>
-            <a:r>
-              <a:rPr lang="es-ES" dirty="0" err="1" smtClean="0"/>
-              <a:t>Detection</a:t>
-            </a:r>
-            <a:endParaRPr lang="es-ES" dirty="0"/>
+              <a:rPr lang="en-US" dirty="0" smtClean="0"/>
+              <a:t>Project Improvements</a:t>
+            </a:r>
+            <a:endParaRPr lang="en-US" dirty="0"/>
           </a:p>
         </p:txBody>
       </p:sp>
@@ -4336,157 +4321,140 @@
         <p:spPr/>
         <p:txBody>
           <a:bodyPr>
-            <a:normAutofit fontScale="85000" lnSpcReduction="10000"/>
+            <a:normAutofit lnSpcReduction="10000"/>
           </a:bodyPr>
           <a:lstStyle/>
           <a:p>
             <a:r>
-              <a:rPr lang="es-ES" dirty="0" err="1" smtClean="0"/>
-              <a:t>Camshift</a:t>
-            </a:r>
-            <a:r>
-              <a:rPr lang="es-ES" dirty="0" smtClean="0"/>
-              <a:t> = </a:t>
-            </a:r>
-            <a:r>
-              <a:rPr lang="es-ES" dirty="0" err="1"/>
-              <a:t>Continuously</a:t>
-            </a:r>
-            <a:r>
-              <a:rPr lang="es-ES" dirty="0"/>
-              <a:t> </a:t>
-            </a:r>
-            <a:r>
-              <a:rPr lang="es-ES" dirty="0" err="1"/>
-              <a:t>Adaptive</a:t>
-            </a:r>
-            <a:r>
-              <a:rPr lang="es-ES" dirty="0"/>
-              <a:t> Mean </a:t>
-            </a:r>
-            <a:r>
-              <a:rPr lang="es-ES" dirty="0" err="1" smtClean="0"/>
-              <a:t>Shift</a:t>
-            </a:r>
-            <a:endParaRPr lang="es-ES" dirty="0"/>
-          </a:p>
-          <a:p>
+              <a:rPr lang="en-US" dirty="0" smtClean="0"/>
+              <a:t>Adapted project for version Android 2.3.3 (API 10)</a:t>
+            </a:r>
+          </a:p>
+          <a:p>
+            <a:r>
+              <a:rPr lang="en-US" dirty="0" smtClean="0"/>
+              <a:t>Eyes detection:</a:t>
+            </a:r>
+          </a:p>
+          <a:p>
+            <a:pPr lvl="1"/>
+            <a:r>
+              <a:rPr lang="en-US" dirty="0" smtClean="0"/>
+              <a:t>Regions </a:t>
+            </a:r>
             <a:r>
               <a:rPr lang="en-US" dirty="0"/>
-              <a:t>G. </a:t>
-            </a:r>
-            <a:r>
-              <a:rPr lang="en-US" dirty="0" err="1"/>
-              <a:t>Bradski</a:t>
-            </a:r>
+              <a:t>Distinction </a:t>
+            </a:r>
+          </a:p>
+          <a:p>
+            <a:pPr marL="402336" lvl="1" indent="0">
+              <a:buNone/>
+            </a:pPr>
             <a:r>
               <a:rPr lang="en-US" dirty="0"/>
-              <a:t>. </a:t>
-            </a:r>
-            <a:r>
-              <a:rPr lang="en-US" i="1" dirty="0"/>
-              <a:t>Computer Vision Face Tracking For Use in a Perceptual User Interface</a:t>
-            </a:r>
-            <a:r>
-              <a:rPr lang="en-US" dirty="0"/>
-              <a:t>. Intel Technology Journal, Q2, 1998 </a:t>
+              <a:t>between Left and </a:t>
+            </a:r>
+            <a:r>
+              <a:rPr lang="en-US" dirty="0" smtClean="0"/>
+              <a:t>Right</a:t>
             </a:r>
             <a:endParaRPr lang="en-US" dirty="0"/>
           </a:p>
           <a:p>
-            <a:r>
-              <a:rPr lang="en-US" dirty="0" smtClean="0"/>
-              <a:t>Initially created for face tracking</a:t>
-            </a:r>
-          </a:p>
-          <a:p>
-            <a:r>
-              <a:rPr lang="en-US" dirty="0" smtClean="0"/>
-              <a:t>Using functions </a:t>
-            </a:r>
-            <a:r>
-              <a:rPr lang="en-US" b="1" i="1" dirty="0" err="1" smtClean="0"/>
-              <a:t>calcHist</a:t>
-            </a:r>
-            <a:r>
-              <a:rPr lang="en-US" dirty="0" smtClean="0"/>
-              <a:t>, </a:t>
-            </a:r>
-            <a:r>
-              <a:rPr lang="es-ES" b="1" i="1" dirty="0" err="1" smtClean="0"/>
-              <a:t>calcBackProject</a:t>
-            </a:r>
-            <a:r>
-              <a:rPr lang="es-ES" dirty="0"/>
-              <a:t> </a:t>
-            </a:r>
-            <a:r>
-              <a:rPr lang="es-ES" dirty="0" smtClean="0"/>
-              <a:t>and </a:t>
-            </a:r>
-            <a:r>
-              <a:rPr lang="en-US" b="1" i="1" dirty="0" err="1" smtClean="0"/>
-              <a:t>CamShift</a:t>
-            </a:r>
-            <a:r>
-              <a:rPr lang="en-US" dirty="0" smtClean="0"/>
-              <a:t> in </a:t>
-            </a:r>
-            <a:r>
-              <a:rPr lang="en-US" dirty="0" err="1" smtClean="0"/>
-              <a:t>OpenCV</a:t>
-            </a:r>
-            <a:endParaRPr lang="en-US" dirty="0" smtClean="0"/>
-          </a:p>
-          <a:p>
-            <a:r>
-              <a:rPr lang="en-US" dirty="0" smtClean="0"/>
-              <a:t>Initial histogram created with eye </a:t>
-            </a:r>
-            <a:r>
-              <a:rPr lang="en-US" dirty="0" err="1" smtClean="0"/>
-              <a:t>haar</a:t>
-            </a:r>
-            <a:r>
-              <a:rPr lang="en-US" dirty="0" smtClean="0"/>
-              <a:t> detection</a:t>
-            </a:r>
-          </a:p>
-          <a:p>
-            <a:r>
-              <a:rPr lang="en-US" dirty="0" smtClean="0"/>
-              <a:t>Restricted to the region of the eye (Red rectangles)</a:t>
-            </a:r>
-          </a:p>
-          <a:p>
+            <a:pPr lvl="1"/>
             <a:r>
               <a:rPr lang="en-US" dirty="0" err="1" smtClean="0"/>
               <a:t>Camshift</a:t>
             </a:r>
             <a:r>
               <a:rPr lang="en-US" dirty="0" smtClean="0"/>
-              <a:t> faster then </a:t>
-            </a:r>
-            <a:r>
-              <a:rPr lang="en-US" dirty="0" err="1" smtClean="0"/>
-              <a:t>haar</a:t>
-            </a:r>
-            <a:r>
-              <a:rPr lang="en-US" dirty="0" smtClean="0"/>
-              <a:t> detection </a:t>
-            </a:r>
-            <a:r>
-              <a:rPr lang="en-US" dirty="0" err="1" smtClean="0"/>
-              <a:t>everytime</a:t>
+              <a:t> Eyes Detection</a:t>
+            </a:r>
+          </a:p>
+          <a:p>
+            <a:r>
+              <a:rPr lang="en-US" dirty="0" smtClean="0"/>
+              <a:t>Option of running mouth and eyes detection process in parallel (multi-threading)</a:t>
+            </a:r>
+          </a:p>
+          <a:p>
+            <a:r>
+              <a:rPr lang="en-US" dirty="0" smtClean="0"/>
+              <a:t>Improvement: 2x in Fps</a:t>
             </a:r>
             <a:endParaRPr lang="en-US" dirty="0"/>
           </a:p>
         </p:txBody>
       </p:sp>
+      <p:pic>
+        <p:nvPicPr>
+          <p:cNvPr id="4" name="Picture 4"/>
+          <p:cNvPicPr>
+            <a:picLocks noChangeAspect="1" noChangeArrowheads="1"/>
+          </p:cNvPicPr>
+          <p:nvPr/>
+        </p:nvPicPr>
+        <p:blipFill>
+          <a:blip r:embed="rId2">
+            <a:extLst>
+              <a:ext uri="{28A0092B-C50C-407E-A947-70E740481C1C}">
+                <a14:useLocalDpi xmlns:a14="http://schemas.microsoft.com/office/drawing/2010/main" val="0"/>
+              </a:ext>
+            </a:extLst>
+          </a:blip>
+          <a:srcRect/>
+          <a:stretch>
+            <a:fillRect/>
+          </a:stretch>
+        </p:blipFill>
+        <p:spPr bwMode="auto">
+          <a:xfrm>
+            <a:off x="6156176" y="2132856"/>
+            <a:ext cx="1584176" cy="1974050"/>
+          </a:xfrm>
+          <a:prstGeom prst="rect">
+            <a:avLst/>
+          </a:prstGeom>
+          <a:noFill/>
+          <a:ln>
+            <a:noFill/>
+          </a:ln>
+          <a:effectLst/>
+          <a:extLst>
+            <a:ext uri="{909E8E84-426E-40DD-AFC4-6F175D3DCCD1}">
+              <a14:hiddenFill xmlns:a14="http://schemas.microsoft.com/office/drawing/2010/main">
+                <a:solidFill>
+                  <a:schemeClr val="accent1"/>
+                </a:solidFill>
+              </a14:hiddenFill>
+            </a:ext>
+            <a:ext uri="{91240B29-F687-4F45-9708-019B960494DF}">
+              <a14:hiddenLine xmlns:a14="http://schemas.microsoft.com/office/drawing/2010/main" w="9525">
+                <a:solidFill>
+                  <a:schemeClr val="tx1"/>
+                </a:solidFill>
+                <a:miter lim="800000"/>
+                <a:headEnd/>
+                <a:tailEnd/>
+              </a14:hiddenLine>
+            </a:ext>
+            <a:ext uri="{AF507438-7753-43E0-B8FC-AC1667EBCBE1}">
+              <a14:hiddenEffects xmlns:a14="http://schemas.microsoft.com/office/drawing/2010/main">
+                <a:effectLst>
+                  <a:outerShdw dist="35921" dir="2700000" algn="ctr" rotWithShape="0">
+                    <a:schemeClr val="bg2"/>
+                  </a:outerShdw>
+                </a:effectLst>
+              </a14:hiddenEffects>
+            </a:ext>
+          </a:extLst>
+        </p:spPr>
+      </p:pic>
     </p:spTree>
     <p:extLst>
       <p:ext uri="{BB962C8B-B14F-4D97-AF65-F5344CB8AC3E}">
-        <p14:creationId xmlns:p14="http://schemas.microsoft.com/office/powerpoint/2010/main" val="1976494236"/>
+        <p14:creationId xmlns:p14="http://schemas.microsoft.com/office/powerpoint/2010/main" val="603301832"/>
       </p:ext>
     </p:extLst>
   </p:cSld>
@@ -4532,6 +4500,241 @@
         </p:nvSpPr>
         <p:spPr/>
         <p:txBody>
+          <a:bodyPr/>
+          <a:lstStyle/>
+          <a:p>
+            <a:r>
+              <a:rPr lang="es-ES" dirty="0" err="1" smtClean="0"/>
+              <a:t>Camshift</a:t>
+            </a:r>
+            <a:r>
+              <a:rPr lang="es-ES" dirty="0" smtClean="0"/>
+              <a:t> </a:t>
+            </a:r>
+            <a:r>
+              <a:rPr lang="es-ES" dirty="0" err="1" smtClean="0"/>
+              <a:t>Eyes</a:t>
+            </a:r>
+            <a:r>
+              <a:rPr lang="es-ES" dirty="0" smtClean="0"/>
+              <a:t> </a:t>
+            </a:r>
+            <a:r>
+              <a:rPr lang="es-ES" dirty="0" err="1" smtClean="0"/>
+              <a:t>Detection</a:t>
+            </a:r>
+            <a:endParaRPr lang="es-ES" dirty="0"/>
+          </a:p>
+        </p:txBody>
+      </p:sp>
+      <p:sp>
+        <p:nvSpPr>
+          <p:cNvPr id="3" name="Content Placeholder 2"/>
+          <p:cNvSpPr>
+            <a:spLocks noGrp="1"/>
+          </p:cNvSpPr>
+          <p:nvPr>
+            <p:ph idx="1"/>
+          </p:nvPr>
+        </p:nvSpPr>
+        <p:spPr/>
+        <p:txBody>
+          <a:bodyPr>
+            <a:normAutofit fontScale="85000" lnSpcReduction="10000"/>
+          </a:bodyPr>
+          <a:lstStyle/>
+          <a:p>
+            <a:r>
+              <a:rPr lang="es-ES" dirty="0" err="1" smtClean="0"/>
+              <a:t>Camshift</a:t>
+            </a:r>
+            <a:r>
+              <a:rPr lang="es-ES" dirty="0" smtClean="0"/>
+              <a:t> = </a:t>
+            </a:r>
+            <a:r>
+              <a:rPr lang="es-ES" dirty="0" err="1"/>
+              <a:t>Continuously</a:t>
+            </a:r>
+            <a:r>
+              <a:rPr lang="es-ES" dirty="0"/>
+              <a:t> </a:t>
+            </a:r>
+            <a:r>
+              <a:rPr lang="es-ES" dirty="0" err="1"/>
+              <a:t>Adaptive</a:t>
+            </a:r>
+            <a:r>
+              <a:rPr lang="es-ES" dirty="0"/>
+              <a:t> Mean </a:t>
+            </a:r>
+            <a:r>
+              <a:rPr lang="es-ES" dirty="0" err="1" smtClean="0"/>
+              <a:t>Shift</a:t>
+            </a:r>
+            <a:endParaRPr lang="es-ES" dirty="0"/>
+          </a:p>
+          <a:p>
+            <a:r>
+              <a:rPr lang="en-US" dirty="0"/>
+              <a:t>G. </a:t>
+            </a:r>
+            <a:r>
+              <a:rPr lang="en-US" dirty="0" err="1"/>
+              <a:t>Bradski</a:t>
+            </a:r>
+            <a:r>
+              <a:rPr lang="en-US" dirty="0"/>
+              <a:t>. </a:t>
+            </a:r>
+            <a:r>
+              <a:rPr lang="en-US" i="1" dirty="0"/>
+              <a:t>Computer Vision Face Tracking For Use in a Perceptual User Interface</a:t>
+            </a:r>
+            <a:r>
+              <a:rPr lang="en-US" dirty="0"/>
+              <a:t>. Intel Technology Journal, Q2, 1998 </a:t>
+            </a:r>
+          </a:p>
+          <a:p>
+            <a:r>
+              <a:rPr lang="en-US" dirty="0" smtClean="0"/>
+              <a:t>Initially created for face tracking</a:t>
+            </a:r>
+          </a:p>
+          <a:p>
+            <a:r>
+              <a:rPr lang="en-US" dirty="0" smtClean="0"/>
+              <a:t>Using functions </a:t>
+            </a:r>
+            <a:r>
+              <a:rPr lang="en-US" b="1" i="1" dirty="0" err="1" smtClean="0"/>
+              <a:t>calcHist</a:t>
+            </a:r>
+            <a:r>
+              <a:rPr lang="en-US" dirty="0" smtClean="0"/>
+              <a:t>, </a:t>
+            </a:r>
+            <a:r>
+              <a:rPr lang="es-ES" b="1" i="1" dirty="0" err="1" smtClean="0"/>
+              <a:t>calcBackProject</a:t>
+            </a:r>
+            <a:r>
+              <a:rPr lang="es-ES" dirty="0"/>
+              <a:t> </a:t>
+            </a:r>
+            <a:r>
+              <a:rPr lang="es-ES" dirty="0" smtClean="0"/>
+              <a:t>and </a:t>
+            </a:r>
+            <a:r>
+              <a:rPr lang="en-US" b="1" i="1" dirty="0" err="1" smtClean="0"/>
+              <a:t>CamShift</a:t>
+            </a:r>
+            <a:r>
+              <a:rPr lang="en-US" dirty="0" smtClean="0"/>
+              <a:t> in </a:t>
+            </a:r>
+            <a:r>
+              <a:rPr lang="en-US" dirty="0" err="1" smtClean="0"/>
+              <a:t>OpenCV</a:t>
+            </a:r>
+            <a:endParaRPr lang="en-US" dirty="0" smtClean="0"/>
+          </a:p>
+          <a:p>
+            <a:r>
+              <a:rPr lang="en-US" dirty="0" smtClean="0"/>
+              <a:t>Initial histogram created with eye </a:t>
+            </a:r>
+            <a:r>
+              <a:rPr lang="en-US" dirty="0" err="1" smtClean="0"/>
+              <a:t>haar</a:t>
+            </a:r>
+            <a:r>
+              <a:rPr lang="en-US" dirty="0" smtClean="0"/>
+              <a:t> detection</a:t>
+            </a:r>
+          </a:p>
+          <a:p>
+            <a:r>
+              <a:rPr lang="en-US" dirty="0" smtClean="0"/>
+              <a:t>Restricted to the region of the eye (Red rectangles)</a:t>
+            </a:r>
+          </a:p>
+          <a:p>
+            <a:r>
+              <a:rPr lang="en-US" dirty="0" err="1" smtClean="0"/>
+              <a:t>Camshift</a:t>
+            </a:r>
+            <a:r>
+              <a:rPr lang="en-US" dirty="0" smtClean="0"/>
+              <a:t> faster then </a:t>
+            </a:r>
+            <a:r>
+              <a:rPr lang="en-US" dirty="0" err="1" smtClean="0"/>
+              <a:t>haar</a:t>
+            </a:r>
+            <a:r>
+              <a:rPr lang="en-US" dirty="0" smtClean="0"/>
+              <a:t> detection </a:t>
+            </a:r>
+            <a:r>
+              <a:rPr lang="en-US" dirty="0" err="1" smtClean="0"/>
+              <a:t>everytime</a:t>
+            </a:r>
+            <a:endParaRPr lang="en-US" dirty="0"/>
+          </a:p>
+        </p:txBody>
+      </p:sp>
+    </p:spTree>
+    <p:extLst>
+      <p:ext uri="{BB962C8B-B14F-4D97-AF65-F5344CB8AC3E}">
+        <p14:creationId xmlns:p14="http://schemas.microsoft.com/office/powerpoint/2010/main" val="1976494236"/>
+      </p:ext>
+    </p:extLst>
+  </p:cSld>
+  <p:clrMapOvr>
+    <a:masterClrMapping/>
+  </p:clrMapOvr>
+  <p:timing>
+    <p:tnLst>
+      <p:par>
+        <p:cTn id="1" dur="indefinite" restart="never" nodeType="tmRoot"/>
+      </p:par>
+    </p:tnLst>
+  </p:timing>
+</p:sld>
+</file>
+
+<file path=ppt/slides/slide12.xml><?xml version="1.0" encoding="utf-8"?>
+<p:sld xmlns:a="http://schemas.openxmlformats.org/drawingml/2006/main" xmlns:r="http://schemas.openxmlformats.org/officeDocument/2006/relationships" xmlns:p="http://schemas.openxmlformats.org/presentationml/2006/main">
+  <p:cSld>
+    <p:spTree>
+      <p:nvGrpSpPr>
+        <p:cNvPr id="1" name=""/>
+        <p:cNvGrpSpPr/>
+        <p:nvPr/>
+      </p:nvGrpSpPr>
+      <p:grpSpPr>
+        <a:xfrm>
+          <a:off x="0" y="0"/>
+          <a:ext cx="0" cy="0"/>
+          <a:chOff x="0" y="0"/>
+          <a:chExt cx="0" cy="0"/>
+        </a:xfrm>
+      </p:grpSpPr>
+      <p:sp>
+        <p:nvSpPr>
+          <p:cNvPr id="2" name="Title 1"/>
+          <p:cNvSpPr>
+            <a:spLocks noGrp="1"/>
+          </p:cNvSpPr>
+          <p:nvPr>
+            <p:ph type="title"/>
+          </p:nvPr>
+        </p:nvSpPr>
+        <p:spPr/>
+        <p:txBody>
           <a:bodyPr>
             <a:normAutofit fontScale="90000"/>
           </a:bodyPr>
@@ -4736,7 +4939,7 @@
 </p:sld>
 </file>
 
-<file path=ppt/slides/slide12.xml><?xml version="1.0" encoding="utf-8"?>
+<file path=ppt/slides/slide13.xml><?xml version="1.0" encoding="utf-8"?>
 <p:sld xmlns:a="http://schemas.openxmlformats.org/drawingml/2006/main" xmlns:r="http://schemas.openxmlformats.org/officeDocument/2006/relationships" xmlns:p="http://schemas.openxmlformats.org/presentationml/2006/main">
   <p:cSld>
     <p:spTree>
@@ -4927,7 +5130,7 @@
 </p:sld>
 </file>
 
-<file path=ppt/slides/slide13.xml><?xml version="1.0" encoding="utf-8"?>
+<file path=ppt/slides/slide14.xml><?xml version="1.0" encoding="utf-8"?>
 <p:sld xmlns:a="http://schemas.openxmlformats.org/drawingml/2006/main" xmlns:r="http://schemas.openxmlformats.org/officeDocument/2006/relationships" xmlns:p="http://schemas.openxmlformats.org/presentationml/2006/main">
   <p:cSld>
     <p:spTree>
@@ -5100,7 +5303,7 @@
 </p:sld>
 </file>
 
-<file path=ppt/slides/slide14.xml><?xml version="1.0" encoding="utf-8"?>
+<file path=ppt/slides/slide15.xml><?xml version="1.0" encoding="utf-8"?>
 <p:sld xmlns:a="http://schemas.openxmlformats.org/drawingml/2006/main" xmlns:r="http://schemas.openxmlformats.org/officeDocument/2006/relationships" xmlns:p="http://schemas.openxmlformats.org/presentationml/2006/main">
   <p:cSld>
     <p:spTree>
@@ -5247,7 +5450,7 @@
 </p:sld>
 </file>
 
-<file path=ppt/slides/slide15.xml><?xml version="1.0" encoding="utf-8"?>
+<file path=ppt/slides/slide16.xml><?xml version="1.0" encoding="utf-8"?>
 <p:sld xmlns:a="http://schemas.openxmlformats.org/drawingml/2006/main" xmlns:r="http://schemas.openxmlformats.org/officeDocument/2006/relationships" xmlns:p="http://schemas.openxmlformats.org/presentationml/2006/main">
   <p:cSld>
     <p:spTree>
@@ -5368,7 +5571,7 @@
 </p:sld>
 </file>
 
-<file path=ppt/slides/slide16.xml><?xml version="1.0" encoding="utf-8"?>
+<file path=ppt/slides/slide17.xml><?xml version="1.0" encoding="utf-8"?>
 <p:sld xmlns:a="http://schemas.openxmlformats.org/drawingml/2006/main" xmlns:r="http://schemas.openxmlformats.org/officeDocument/2006/relationships" xmlns:p="http://schemas.openxmlformats.org/presentationml/2006/main">
   <p:cSld>
     <p:spTree>
@@ -5508,7 +5711,7 @@
         <p:spPr/>
         <p:txBody>
           <a:bodyPr>
-            <a:normAutofit fontScale="85000" lnSpcReduction="20000"/>
+            <a:normAutofit fontScale="70000" lnSpcReduction="20000"/>
           </a:bodyPr>
           <a:lstStyle/>
           <a:p>
@@ -5551,6 +5754,14 @@
               <a:rPr lang="en-US" dirty="0" smtClean="0"/>
               <a:t>Manager</a:t>
             </a:r>
+          </a:p>
+          <a:p>
+            <a:pPr lvl="1"/>
+            <a:r>
+              <a:rPr lang="en-US" dirty="0"/>
+              <a:t>Directories and Files</a:t>
+            </a:r>
+            <a:endParaRPr lang="en-US" dirty="0" smtClean="0"/>
           </a:p>
           <a:p>
             <a:r>
@@ -6086,11 +6297,7 @@
             </a:r>
             <a:r>
               <a:rPr lang="en-US" dirty="0" smtClean="0"/>
-              <a:t>names (escaped with /) and the paths of the emoticons will be initialize at the </a:t>
-            </a:r>
-            <a:r>
-              <a:rPr lang="en-US" dirty="0" smtClean="0"/>
-              <a:t>beginning</a:t>
+              <a:t>names (escaped with /) and the paths of the emoticons will be initialize at the beginning</a:t>
             </a:r>
           </a:p>
           <a:p>
@@ -6372,11 +6579,7 @@
             </a:br>
             <a:r>
               <a:rPr lang="en-US" dirty="0" smtClean="0"/>
-              <a:t>Flow </a:t>
-            </a:r>
-            <a:r>
-              <a:rPr lang="en-US" dirty="0" smtClean="0"/>
-              <a:t>Diagram</a:t>
+              <a:t>Flow Diagram</a:t>
             </a:r>
             <a:endParaRPr lang="en-US" dirty="0"/>
           </a:p>
@@ -6631,11 +6834,7 @@
             </a:r>
             <a:r>
               <a:rPr lang="en-US" dirty="0" smtClean="0"/>
-              <a:t> detection placed in ‘raw’ </a:t>
-            </a:r>
-            <a:r>
-              <a:rPr lang="en-US" dirty="0" smtClean="0"/>
-              <a:t>folder, with the previous features</a:t>
+              <a:t> detection placed in ‘raw’ folder, with the previous features</a:t>
             </a:r>
           </a:p>
           <a:p>
@@ -6655,7 +6854,6 @@
               <a:rPr lang="en-US" dirty="0" smtClean="0"/>
               <a:t>detection</a:t>
             </a:r>
-            <a:endParaRPr lang="en-US" dirty="0" smtClean="0"/>
           </a:p>
           <a:p>
             <a:r>
@@ -7113,11 +7311,7 @@
             <a:pPr lvl="1"/>
             <a:r>
               <a:rPr lang="en-US" dirty="0" smtClean="0"/>
-              <a:t>Implemented </a:t>
-            </a:r>
-            <a:r>
-              <a:rPr lang="en-US" dirty="0" smtClean="0"/>
-              <a:t>in the ‘View’ class</a:t>
+              <a:t>Implemented in the ‘View’ class</a:t>
             </a:r>
           </a:p>
           <a:p>
@@ -7157,7 +7351,19 @@
             </a:r>
             <a:r>
               <a:rPr lang="en-US" dirty="0" smtClean="0"/>
-              <a:t>processed by the algorithm</a:t>
+              <a:t>processed and </a:t>
+            </a:r>
+            <a:r>
+              <a:rPr lang="en-US" dirty="0" err="1" smtClean="0"/>
+              <a:t>modificated</a:t>
+            </a:r>
+            <a:r>
+              <a:rPr lang="en-US" dirty="0" smtClean="0"/>
+              <a:t> </a:t>
+            </a:r>
+            <a:r>
+              <a:rPr lang="en-US" dirty="0" smtClean="0"/>
+              <a:t>by the algorithm</a:t>
             </a:r>
           </a:p>
           <a:p>
@@ -7175,11 +7381,7 @@
             </a:r>
             <a:r>
               <a:rPr lang="en-US" dirty="0" smtClean="0"/>
-              <a:t>is drawn with a ‘Canvas’ </a:t>
-            </a:r>
-            <a:r>
-              <a:rPr lang="en-US" dirty="0" smtClean="0"/>
-              <a:t>object</a:t>
+              <a:t>is drawn with a ‘Canvas’ object</a:t>
             </a:r>
           </a:p>
           <a:p>
@@ -7260,11 +7462,7 @@
           <a:p>
             <a:r>
               <a:rPr lang="en-US" dirty="0" smtClean="0"/>
-              <a:t>Project </a:t>
-            </a:r>
-            <a:r>
-              <a:rPr lang="en-US" dirty="0" smtClean="0"/>
-              <a:t>Improvements</a:t>
+              <a:t>Directories and Files</a:t>
             </a:r>
             <a:endParaRPr lang="en-US" dirty="0"/>
           </a:p>
@@ -7283,145 +7481,149 @@
         <p:spPr/>
         <p:txBody>
           <a:bodyPr>
-            <a:normAutofit lnSpcReduction="10000"/>
+            <a:normAutofit fontScale="55000" lnSpcReduction="20000"/>
           </a:bodyPr>
           <a:lstStyle/>
           <a:p>
             <a:r>
               <a:rPr lang="en-US" dirty="0" smtClean="0"/>
-              <a:t>Adapted project for version Android 2.3.3 (API 10)</a:t>
-            </a:r>
-          </a:p>
-          <a:p>
-            <a:r>
-              <a:rPr lang="en-US" dirty="0" smtClean="0"/>
-              <a:t>Eyes detection:</a:t>
+              <a:t>ee368.kaomoji folder:</a:t>
             </a:r>
           </a:p>
           <a:p>
             <a:pPr lvl="1"/>
             <a:r>
               <a:rPr lang="en-US" dirty="0" smtClean="0"/>
-              <a:t>Regions </a:t>
+              <a:t>BaseView.java (extend </a:t>
+            </a:r>
+            <a:r>
+              <a:rPr lang="en-US" dirty="0" err="1" smtClean="0"/>
+              <a:t>SurfaceView</a:t>
+            </a:r>
+            <a:r>
+              <a:rPr lang="en-US" dirty="0" smtClean="0"/>
+              <a:t>), View.java (extend BaseView.java ): Capture and draw images</a:t>
+            </a:r>
+          </a:p>
+          <a:p>
+            <a:pPr lvl="1"/>
+            <a:r>
+              <a:rPr lang="en-US" dirty="0" smtClean="0"/>
+              <a:t>Kaomoji.java: Draw emoticons over the image</a:t>
+            </a:r>
+          </a:p>
+          <a:p>
+            <a:pPr lvl="1"/>
+            <a:r>
+              <a:rPr lang="en-US" dirty="0" smtClean="0"/>
+              <a:t>FaceTracker.java: Main class of the algorithm with the iterative process</a:t>
+            </a:r>
+          </a:p>
+          <a:p>
+            <a:pPr lvl="1"/>
+            <a:r>
+              <a:rPr lang="en-US" sz="2900" dirty="0"/>
+              <a:t>CotrolPanel.java (</a:t>
+            </a:r>
+            <a:r>
+              <a:rPr lang="es-ES" sz="2900" dirty="0" err="1"/>
+              <a:t>extends</a:t>
+            </a:r>
+            <a:r>
+              <a:rPr lang="es-ES" sz="2900" dirty="0"/>
+              <a:t> </a:t>
+            </a:r>
+            <a:r>
+              <a:rPr lang="es-ES" sz="2900" dirty="0" err="1"/>
+              <a:t>Activity</a:t>
+            </a:r>
+            <a:r>
+              <a:rPr lang="es-ES" dirty="0" smtClean="0"/>
+              <a:t>)</a:t>
+            </a:r>
+            <a:r>
+              <a:rPr lang="en-US" dirty="0" smtClean="0"/>
+              <a:t>, Options.java: Classes for manage the emoticon selection</a:t>
+            </a:r>
+          </a:p>
+          <a:p>
+            <a:pPr lvl="1"/>
+            <a:r>
+              <a:rPr lang="en-US" dirty="0" smtClean="0"/>
+              <a:t>Util.java: Methods to encapsulate operations</a:t>
+            </a:r>
+          </a:p>
+          <a:p>
+            <a:pPr lvl="1"/>
+            <a:r>
+              <a:rPr lang="en-US" dirty="0" smtClean="0"/>
+              <a:t>FpsMeter.java: Calculate frames per second and draw it in the output image</a:t>
+            </a:r>
+          </a:p>
+          <a:p>
+            <a:r>
+              <a:rPr lang="en-US" dirty="0" smtClean="0"/>
+              <a:t>ee368.threads folder:</a:t>
+            </a:r>
+          </a:p>
+          <a:p>
+            <a:pPr lvl="1"/>
+            <a:r>
+              <a:rPr lang="en-US" dirty="0" smtClean="0"/>
+              <a:t>EyeRunnableThread.java (implements Runnable): Thread for detecting eyes</a:t>
+            </a:r>
+          </a:p>
+          <a:p>
+            <a:pPr lvl="1"/>
+            <a:r>
+              <a:rPr lang="en-US" dirty="0" smtClean="0"/>
+              <a:t>MouthRunnableThread.java </a:t>
             </a:r>
             <a:r>
               <a:rPr lang="en-US" dirty="0"/>
-              <a:t>Distinction </a:t>
-            </a:r>
-          </a:p>
-          <a:p>
-            <a:pPr marL="402336" lvl="1" indent="0">
-              <a:buNone/>
-            </a:pPr>
-            <a:r>
-              <a:rPr lang="en-US" dirty="0"/>
-              <a:t>between Left and </a:t>
-            </a:r>
-            <a:r>
-              <a:rPr lang="en-US" dirty="0" smtClean="0"/>
-              <a:t>Right</a:t>
+              <a:t>(implements Runnable</a:t>
+            </a:r>
+            <a:r>
+              <a:rPr lang="en-US" dirty="0" smtClean="0"/>
+              <a:t>): Thread for detecting the mouth</a:t>
+            </a:r>
+          </a:p>
+          <a:p>
+            <a:r>
+              <a:rPr lang="en-US" dirty="0" smtClean="0"/>
+              <a:t>ee368.tracking folder:</a:t>
             </a:r>
             <a:endParaRPr lang="en-US" dirty="0"/>
           </a:p>
           <a:p>
             <a:pPr lvl="1"/>
+            <a:r>
+              <a:rPr lang="en-US" dirty="0" smtClean="0"/>
+              <a:t>TrackedFeatured.java:  Initial tracking for ‘low’ features</a:t>
+            </a:r>
+          </a:p>
+          <a:p>
+            <a:pPr lvl="1"/>
+            <a:r>
+              <a:rPr lang="en-US" dirty="0" smtClean="0"/>
+              <a:t>Camshifting.java .TrackedObj.java: Tracking for eyes using </a:t>
+            </a:r>
             <a:r>
               <a:rPr lang="en-US" dirty="0" err="1" smtClean="0"/>
               <a:t>Camshift</a:t>
             </a:r>
             <a:r>
               <a:rPr lang="en-US" dirty="0" smtClean="0"/>
-              <a:t> Eyes Detection</a:t>
-            </a:r>
-            <a:endParaRPr lang="en-US" dirty="0" smtClean="0"/>
-          </a:p>
-          <a:p>
-            <a:r>
-              <a:rPr lang="en-US" dirty="0" smtClean="0"/>
-              <a:t>Option of running mouth and eyes detection process in parallel (multi-threading)</a:t>
-            </a:r>
-          </a:p>
-          <a:p>
-            <a:r>
-              <a:rPr lang="en-US" dirty="0" smtClean="0"/>
-              <a:t>Improvement</a:t>
-            </a:r>
-            <a:r>
-              <a:rPr lang="en-US" dirty="0" smtClean="0"/>
-              <a:t>: 2x in Fps</a:t>
+              <a:t> algorithm</a:t>
             </a:r>
             <a:endParaRPr lang="en-US" dirty="0"/>
           </a:p>
         </p:txBody>
       </p:sp>
-      <p:pic>
-        <p:nvPicPr>
-          <p:cNvPr id="4" name="Picture 4"/>
-          <p:cNvPicPr>
-            <a:picLocks noChangeAspect="1" noChangeArrowheads="1"/>
-          </p:cNvPicPr>
-          <p:nvPr/>
-        </p:nvPicPr>
-        <p:blipFill>
-          <a:blip r:embed="rId2">
-            <a:extLst>
-              <a:ext uri="{28A0092B-C50C-407E-A947-70E740481C1C}">
-                <a14:useLocalDpi xmlns:a14="http://schemas.microsoft.com/office/drawing/2010/main" val="0"/>
-              </a:ext>
-            </a:extLst>
-          </a:blip>
-          <a:srcRect/>
-          <a:stretch>
-            <a:fillRect/>
-          </a:stretch>
-        </p:blipFill>
-        <p:spPr bwMode="auto">
-          <a:xfrm>
-            <a:off x="6156176" y="2132856"/>
-            <a:ext cx="1584176" cy="1974050"/>
-          </a:xfrm>
-          <a:prstGeom prst="rect">
-            <a:avLst/>
-          </a:prstGeom>
-          <a:noFill/>
-          <a:ln>
-            <a:noFill/>
-          </a:ln>
-          <a:effectLst/>
-          <a:extLst>
-            <a:ext uri="{909E8E84-426E-40DD-AFC4-6F175D3DCCD1}">
-              <a14:hiddenFill xmlns:a14="http://schemas.microsoft.com/office/drawing/2010/main">
-                <a:solidFill>
-                  <a:schemeClr val="accent1"/>
-                </a:solidFill>
-              </a14:hiddenFill>
-            </a:ext>
-            <a:ext uri="{91240B29-F687-4F45-9708-019B960494DF}">
-              <a14:hiddenLine xmlns:a14="http://schemas.microsoft.com/office/drawing/2010/main" w="9525">
-                <a:solidFill>
-                  <a:schemeClr val="tx1"/>
-                </a:solidFill>
-                <a:miter lim="800000"/>
-                <a:headEnd/>
-                <a:tailEnd/>
-              </a14:hiddenLine>
-            </a:ext>
-            <a:ext uri="{AF507438-7753-43E0-B8FC-AC1667EBCBE1}">
-              <a14:hiddenEffects xmlns:a14="http://schemas.microsoft.com/office/drawing/2010/main">
-                <a:effectLst>
-                  <a:outerShdw dist="35921" dir="2700000" algn="ctr" rotWithShape="0">
-                    <a:schemeClr val="bg2"/>
-                  </a:outerShdw>
-                </a:effectLst>
-              </a14:hiddenEffects>
-            </a:ext>
-          </a:extLst>
-        </p:spPr>
-      </p:pic>
     </p:spTree>
     <p:extLst>
       <p:ext uri="{BB962C8B-B14F-4D97-AF65-F5344CB8AC3E}">
-        <p14:creationId xmlns:p14="http://schemas.microsoft.com/office/powerpoint/2010/main" val="603301832"/>
+        <p14:creationId xmlns:p14="http://schemas.microsoft.com/office/powerpoint/2010/main" val="3777598883"/>
       </p:ext>
     </p:extLst>
   </p:cSld>

--- a/Presentacion/doc/AnalisisGarciaGallardoOrion.pptx
+++ b/Presentacion/doc/AnalisisGarciaGallardoOrion.pptx
@@ -4321,7 +4321,7 @@
         <p:spPr/>
         <p:txBody>
           <a:bodyPr>
-            <a:normAutofit lnSpcReduction="10000"/>
+            <a:normAutofit fontScale="85000" lnSpcReduction="20000"/>
           </a:bodyPr>
           <a:lstStyle/>
           <a:p>
@@ -4369,8 +4369,18 @@
             </a:r>
             <a:r>
               <a:rPr lang="en-US" dirty="0" smtClean="0"/>
-              <a:t> Eyes Detection</a:t>
-            </a:r>
+              <a:t> Eyes </a:t>
+            </a:r>
+            <a:r>
+              <a:rPr lang="en-US" dirty="0" smtClean="0"/>
+              <a:t>Detection</a:t>
+            </a:r>
+          </a:p>
+          <a:p>
+            <a:pPr marL="402336" lvl="1" indent="0">
+              <a:buNone/>
+            </a:pPr>
+            <a:endParaRPr lang="en-US" dirty="0" smtClean="0"/>
           </a:p>
           <a:p>
             <a:r>
@@ -4381,7 +4391,29 @@
           <a:p>
             <a:r>
               <a:rPr lang="en-US" dirty="0" smtClean="0"/>
-              <a:t>Improvement: 2x in Fps</a:t>
+              <a:t>Improvement (</a:t>
+            </a:r>
+            <a:r>
+              <a:rPr lang="en-US" dirty="0" err="1" smtClean="0"/>
+              <a:t>approx</a:t>
+            </a:r>
+            <a:r>
+              <a:rPr lang="en-US" dirty="0" smtClean="0"/>
+              <a:t> 2x in Fps):</a:t>
+            </a:r>
+          </a:p>
+          <a:p>
+            <a:pPr lvl="1"/>
+            <a:r>
+              <a:rPr lang="en-US" dirty="0" smtClean="0"/>
+              <a:t>Initially: 	Max fps = 15, Min fps = 0,75</a:t>
+            </a:r>
+          </a:p>
+          <a:p>
+            <a:pPr lvl="1"/>
+            <a:r>
+              <a:rPr lang="en-US" dirty="0" smtClean="0"/>
+              <a:t>Finally: 	Max fps = 15, Min fps = 2</a:t>
             </a:r>
             <a:endParaRPr lang="en-US" dirty="0"/>
           </a:p>
@@ -7347,11 +7379,7 @@
             <a:pPr lvl="1"/>
             <a:r>
               <a:rPr lang="en-US" dirty="0" smtClean="0"/>
-              <a:t>Images are </a:t>
-            </a:r>
-            <a:r>
-              <a:rPr lang="en-US" dirty="0" smtClean="0"/>
-              <a:t>processed and </a:t>
+              <a:t>Images are processed and </a:t>
             </a:r>
             <a:r>
               <a:rPr lang="en-US" dirty="0" err="1" smtClean="0"/>
@@ -7359,11 +7387,7 @@
             </a:r>
             <a:r>
               <a:rPr lang="en-US" dirty="0" smtClean="0"/>
-              <a:t> </a:t>
-            </a:r>
-            <a:r>
-              <a:rPr lang="en-US" dirty="0" smtClean="0"/>
-              <a:t>by the algorithm</a:t>
+              <a:t> by the algorithm</a:t>
             </a:r>
           </a:p>
           <a:p>

--- a/Presentacion/doc/AnalisisGarciaGallardoOrion.pptx
+++ b/Presentacion/doc/AnalisisGarciaGallardoOrion.pptx
@@ -4369,11 +4369,7 @@
             </a:r>
             <a:r>
               <a:rPr lang="en-US" dirty="0" smtClean="0"/>
-              <a:t> Eyes </a:t>
-            </a:r>
-            <a:r>
-              <a:rPr lang="en-US" dirty="0" smtClean="0"/>
-              <a:t>Detection</a:t>
+              <a:t> Eyes Detection</a:t>
             </a:r>
           </a:p>
           <a:p>
@@ -5274,8 +5270,72 @@
         </p:blipFill>
         <p:spPr bwMode="auto">
           <a:xfrm>
-            <a:off x="2483768" y="2785244"/>
-            <a:ext cx="4684563" cy="3461252"/>
+            <a:off x="5004048" y="3344292"/>
+            <a:ext cx="3093942" cy="2286000"/>
+          </a:xfrm>
+          <a:prstGeom prst="rect">
+            <a:avLst/>
+          </a:prstGeom>
+          <a:noFill/>
+          <a:ln>
+            <a:noFill/>
+          </a:ln>
+          <a:effectLst/>
+          <a:extLst>
+            <a:ext uri="{909E8E84-426E-40DD-AFC4-6F175D3DCCD1}">
+              <a14:hiddenFill xmlns:a14="http://schemas.microsoft.com/office/drawing/2010/main">
+                <a:solidFill>
+                  <a:schemeClr val="accent1"/>
+                </a:solidFill>
+              </a14:hiddenFill>
+            </a:ext>
+            <a:ext uri="{91240B29-F687-4F45-9708-019B960494DF}">
+              <a14:hiddenLine xmlns:a14="http://schemas.microsoft.com/office/drawing/2010/main" w="9525">
+                <a:solidFill>
+                  <a:schemeClr val="tx1"/>
+                </a:solidFill>
+                <a:miter lim="800000"/>
+                <a:headEnd/>
+                <a:tailEnd/>
+              </a14:hiddenLine>
+            </a:ext>
+            <a:ext uri="{AF507438-7753-43E0-B8FC-AC1667EBCBE1}">
+              <a14:hiddenEffects xmlns:a14="http://schemas.microsoft.com/office/drawing/2010/main">
+                <a:effectLst>
+                  <a:outerShdw dist="35921" dir="2700000" algn="ctr" rotWithShape="0">
+                    <a:schemeClr val="bg2"/>
+                  </a:outerShdw>
+                </a:effectLst>
+              </a14:hiddenEffects>
+            </a:ext>
+          </a:extLst>
+        </p:spPr>
+      </p:pic>
+      <p:pic>
+        <p:nvPicPr>
+          <p:cNvPr id="1026" name="Picture 2"/>
+          <p:cNvPicPr>
+            <a:picLocks noChangeAspect="1" noChangeArrowheads="1"/>
+          </p:cNvPicPr>
+          <p:nvPr/>
+        </p:nvPicPr>
+        <p:blipFill>
+          <a:blip r:embed="rId5">
+            <a:extLst>
+              <a:ext uri="{28A0092B-C50C-407E-A947-70E740481C1C}">
+                <a14:useLocalDpi xmlns:a14="http://schemas.microsoft.com/office/drawing/2010/main" val="0"/>
+              </a:ext>
+            </a:extLst>
+          </a:blip>
+          <a:srcRect/>
+          <a:stretch>
+            <a:fillRect/>
+          </a:stretch>
+        </p:blipFill>
+        <p:spPr bwMode="auto">
+          <a:xfrm>
+            <a:off x="1619672" y="3344292"/>
+            <a:ext cx="3048000" cy="2286000"/>
           </a:xfrm>
           <a:prstGeom prst="rect">
             <a:avLst/>
@@ -5600,6 +5660,13 @@
   <p:clrMapOvr>
     <a:masterClrMapping/>
   </p:clrMapOvr>
+  <p:timing>
+    <p:tnLst>
+      <p:par>
+        <p:cTn id="1" dur="indefinite" restart="never" nodeType="tmRoot"/>
+      </p:par>
+    </p:tnLst>
+  </p:timing>
 </p:sld>
 </file>
 

--- a/Presentacion/doc/AnalisisGarciaGallardoOrion.pptx
+++ b/Presentacion/doc/AnalisisGarciaGallardoOrion.pptx
@@ -4789,7 +4789,7 @@
         <p:spPr/>
         <p:txBody>
           <a:bodyPr>
-            <a:normAutofit fontScale="70000" lnSpcReduction="20000"/>
+            <a:normAutofit fontScale="62500" lnSpcReduction="20000"/>
           </a:bodyPr>
           <a:lstStyle/>
           <a:p>
@@ -4799,7 +4799,11 @@
             </a:pPr>
             <a:r>
               <a:rPr lang="en-US" dirty="0" smtClean="0"/>
-              <a:t>Extract .zip file</a:t>
+              <a:t>Extract .zip </a:t>
+            </a:r>
+            <a:r>
+              <a:rPr lang="en-US" dirty="0" smtClean="0"/>
+              <a:t>file</a:t>
             </a:r>
           </a:p>
           <a:p>
@@ -4808,13 +4812,58 @@
               <a:buAutoNum type="arabicPeriod"/>
             </a:pPr>
             <a:r>
-              <a:rPr lang="en-US" dirty="0" smtClean="0"/>
-              <a:t>Open </a:t>
-            </a:r>
-            <a:r>
               <a:rPr lang="en-US" dirty="0"/>
-              <a:t>eclipse</a:t>
-            </a:r>
+              <a:t>Download OpenCV-2.3.1 from </a:t>
+            </a:r>
+            <a:r>
+              <a:rPr lang="es-ES" dirty="0"/>
+              <a:t>http://sourceforge.net/</a:t>
+            </a:r>
+            <a:r>
+              <a:rPr lang="es-ES" dirty="0" err="1"/>
+              <a:t>projects</a:t>
+            </a:r>
+            <a:r>
+              <a:rPr lang="es-ES" dirty="0"/>
+              <a:t>/</a:t>
+            </a:r>
+            <a:r>
+              <a:rPr lang="es-ES" dirty="0" err="1"/>
+              <a:t>opencvlibrary</a:t>
+            </a:r>
+            <a:r>
+              <a:rPr lang="es-ES" dirty="0"/>
+              <a:t>/Diles/</a:t>
+            </a:r>
+            <a:r>
+              <a:rPr lang="es-ES" dirty="0" err="1"/>
+              <a:t>opencv</a:t>
+            </a:r>
+            <a:r>
+              <a:rPr lang="es-ES" dirty="0"/>
+              <a:t>--‐</a:t>
+            </a:r>
+            <a:r>
+              <a:rPr lang="es-ES" dirty="0" err="1"/>
+              <a:t>android</a:t>
+            </a:r>
+            <a:r>
+              <a:rPr lang="es-ES" dirty="0"/>
+              <a:t>/2.3.1</a:t>
+            </a:r>
+            <a:r>
+              <a:rPr lang="es-ES" dirty="0" smtClean="0"/>
+              <a:t>/ in </a:t>
+            </a:r>
+            <a:r>
+              <a:rPr lang="es-ES" dirty="0" err="1" smtClean="0"/>
+              <a:t>the</a:t>
+            </a:r>
+            <a:r>
+              <a:rPr lang="es-ES" dirty="0" smtClean="0"/>
+              <a:t> ‘CODE’ folder</a:t>
+            </a:r>
+            <a:endParaRPr lang="en-US" dirty="0" smtClean="0"/>
           </a:p>
           <a:p>
             <a:pPr marL="596646" indent="-514350">
@@ -4822,12 +4871,12 @@
               <a:buAutoNum type="arabicPeriod"/>
             </a:pPr>
             <a:r>
-              <a:rPr lang="en-US" dirty="0"/>
-              <a:t>File </a:t>
-            </a:r>
-            <a:r>
-              <a:rPr lang="en-US" dirty="0" smtClean="0"/>
-              <a:t>– Import...</a:t>
+              <a:rPr lang="en-US" dirty="0" smtClean="0"/>
+              <a:t>Open </a:t>
+            </a:r>
+            <a:r>
+              <a:rPr lang="en-US" dirty="0" smtClean="0"/>
+              <a:t>eclipse</a:t>
             </a:r>
           </a:p>
           <a:p>
@@ -4836,12 +4885,12 @@
               <a:buAutoNum type="arabicPeriod"/>
             </a:pPr>
             <a:r>
-              <a:rPr lang="en-US" dirty="0" smtClean="0"/>
-              <a:t>Select - General - </a:t>
-            </a:r>
-            <a:r>
-              <a:rPr lang="en-US" dirty="0"/>
-              <a:t>Existing Android Code Into Workspace - Next</a:t>
+              <a:rPr lang="en-US" smtClean="0"/>
+              <a:t>File </a:t>
+            </a:r>
+            <a:r>
+              <a:rPr lang="en-US" dirty="0" smtClean="0"/>
+              <a:t>– Import...</a:t>
             </a:r>
           </a:p>
           <a:p>
@@ -4850,16 +4899,12 @@
               <a:buAutoNum type="arabicPeriod"/>
             </a:pPr>
             <a:r>
+              <a:rPr lang="en-US" dirty="0" smtClean="0"/>
+              <a:t>Select - General - </a:t>
+            </a:r>
+            <a:r>
               <a:rPr lang="en-US" dirty="0"/>
-              <a:t>Browse... - Select </a:t>
-            </a:r>
-            <a:r>
-              <a:rPr lang="en-US" dirty="0" smtClean="0"/>
-              <a:t>“CODE” </a:t>
-            </a:r>
-            <a:r>
-              <a:rPr lang="en-US" dirty="0"/>
-              <a:t>folder</a:t>
+              <a:t>Existing Android Code Into Workspace - Next</a:t>
             </a:r>
           </a:p>
           <a:p>
@@ -4869,7 +4914,41 @@
             </a:pPr>
             <a:r>
               <a:rPr lang="en-US" dirty="0"/>
-              <a:t>Check ControlPanel and OpenCV-2.3.1 projects -</a:t>
+              <a:t>Browse... - Select </a:t>
+            </a:r>
+            <a:r>
+              <a:rPr lang="en-US" dirty="0" smtClean="0"/>
+              <a:t>“CODE” </a:t>
+            </a:r>
+            <a:r>
+              <a:rPr lang="en-US" dirty="0"/>
+              <a:t>folder</a:t>
+            </a:r>
+          </a:p>
+          <a:p>
+            <a:pPr marL="596646" indent="-514350">
+              <a:buFont typeface="+mj-lt"/>
+              <a:buAutoNum type="arabicPeriod"/>
+            </a:pPr>
+            <a:r>
+              <a:rPr lang="en-US" dirty="0"/>
+              <a:t>Check </a:t>
+            </a:r>
+            <a:r>
+              <a:rPr lang="en-US" dirty="0" err="1" smtClean="0"/>
+              <a:t>ControlPanel</a:t>
+            </a:r>
+            <a:r>
+              <a:rPr lang="en-US" dirty="0"/>
+              <a:t> and OpenCV-2.3.1 </a:t>
+            </a:r>
+            <a:r>
+              <a:rPr lang="en-US" dirty="0" smtClean="0"/>
+              <a:t>projects </a:t>
+            </a:r>
+            <a:r>
+              <a:rPr lang="en-US" dirty="0"/>
+              <a:t>-</a:t>
             </a:r>
             <a:r>
               <a:rPr lang="en-US" dirty="0" smtClean="0"/>
